--- a/PySpark.pptx
+++ b/PySpark.pptx
@@ -112,6 +112,11 @@
       </a:defRPr>
     </a:lvl9pPr>
   </p:defaultTextStyle>
+  <p:extLst>
+    <p:ext uri="{EFAFB233-063F-42B5-8137-9DF3F51BA10A}">
+      <p15:sldGuideLst xmlns:p15="http://schemas.microsoft.com/office/powerpoint/2012/main"/>
+    </p:ext>
+  </p:extLst>
 </p:presentation>
 </file>
 
@@ -3782,13 +3787,7 @@
               <a:rPr lang="ko-KR" altLang="en-US" sz="1600" dirty="0" smtClean="0">
                 <a:sym typeface="Wingdings" panose="05000000000000000000" pitchFamily="2" charset="2"/>
               </a:rPr>
-              <a:t>값</a:t>
-            </a:r>
-            <a:r>
-              <a:rPr lang="ko-KR" altLang="en-US" sz="1600" dirty="0" smtClean="0">
-                <a:sym typeface="Wingdings" panose="05000000000000000000" pitchFamily="2" charset="2"/>
-              </a:rPr>
-              <a:t>을 </a:t>
+              <a:t>값을 </a:t>
             </a:r>
             <a:r>
               <a:rPr lang="ko-KR" altLang="en-US" sz="1600" dirty="0" err="1" smtClean="0">
@@ -4548,11 +4547,7 @@
             </a:pPr>
             <a:r>
               <a:rPr lang="ko-KR" altLang="en-US" sz="1600" dirty="0" smtClean="0"/>
-              <a:t>해당 값들이 </a:t>
-            </a:r>
-            <a:r>
-              <a:rPr lang="ko-KR" altLang="en-US" sz="1600" dirty="0" smtClean="0"/>
-              <a:t>어떤 지역</a:t>
+              <a:t>해당 값들이 어떤 지역</a:t>
             </a:r>
             <a:r>
               <a:rPr lang="en-US" altLang="ko-KR" sz="1600" dirty="0" smtClean="0"/>
@@ -4980,7 +4975,7 @@
         <p:spPr>
           <a:xfrm>
             <a:off x="309715" y="687600"/>
-            <a:ext cx="10559567" cy="783356"/>
+            <a:ext cx="10559567" cy="1200329"/>
           </a:xfrm>
           <a:prstGeom prst="rect">
             <a:avLst/>
@@ -5022,11 +5017,7 @@
             </a:r>
             <a:r>
               <a:rPr lang="ko-KR" altLang="en-US" sz="1600" dirty="0" smtClean="0"/>
-              <a:t>사용하여 지정한 명칭으로 출</a:t>
-            </a:r>
-            <a:r>
-              <a:rPr lang="ko-KR" altLang="en-US" sz="1600" dirty="0" smtClean="0"/>
-              <a:t>력</a:t>
+              <a:t>사용하여 지정한 명칭으로 출력</a:t>
             </a:r>
             <a:endParaRPr lang="en-US" altLang="ko-KR" sz="1600" dirty="0" smtClean="0"/>
           </a:p>
@@ -5072,19 +5063,72 @@
             </a:r>
             <a:r>
               <a:rPr lang="en-US" altLang="ko-KR" sz="1600" dirty="0" smtClean="0"/>
-              <a:t>high, normal, low</a:t>
+              <a:t>high, low</a:t>
             </a:r>
             <a:r>
               <a:rPr lang="ko-KR" altLang="en-US" sz="1600" dirty="0" smtClean="0"/>
-              <a:t>로 결과 필드를 새로 만들어 출력</a:t>
-            </a:r>
-            <a:endParaRPr lang="ko-KR" altLang="en-US" sz="1600" dirty="0"/>
+              <a:t>로 결과 필드를 새로 만들어 </a:t>
+            </a:r>
+            <a:r>
+              <a:rPr lang="ko-KR" altLang="en-US" sz="1600" dirty="0" smtClean="0"/>
+              <a:t>출력</a:t>
+            </a:r>
+            <a:r>
+              <a:rPr lang="en-US" altLang="ko-KR" sz="1600" dirty="0"/>
+              <a:t/>
+            </a:r>
+            <a:br>
+              <a:rPr lang="en-US" altLang="ko-KR" sz="1600" dirty="0"/>
+            </a:br>
+            <a:r>
+              <a:rPr lang="en-US" altLang="ko-KR" sz="1600" dirty="0" smtClean="0"/>
+              <a:t>- describe()</a:t>
+            </a:r>
+            <a:r>
+              <a:rPr lang="ko-KR" altLang="en-US" sz="1600" dirty="0" smtClean="0"/>
+              <a:t>로 확인한 평균값을 기준으로 지정</a:t>
+            </a:r>
+            <a:endParaRPr lang="en-US" altLang="ko-KR" sz="1600" dirty="0" smtClean="0"/>
+          </a:p>
+        </p:txBody>
+      </p:sp>
+      <p:sp>
+        <p:nvSpPr>
+          <p:cNvPr id="13" name="TextBox 12"/>
+          <p:cNvSpPr txBox="1"/>
+          <p:nvPr/>
+        </p:nvSpPr>
+        <p:spPr>
+          <a:xfrm>
+            <a:off x="309716" y="263405"/>
+            <a:ext cx="8229600" cy="400110"/>
+          </a:xfrm>
+          <a:prstGeom prst="rect">
+            <a:avLst/>
+          </a:prstGeom>
+          <a:noFill/>
+        </p:spPr>
+        <p:txBody>
+          <a:bodyPr wrap="square" rtlCol="0">
+            <a:spAutoFit/>
+          </a:bodyPr>
+          <a:lstStyle/>
+          <a:p>
+            <a:r>
+              <a:rPr lang="en-US" altLang="ko-KR" sz="2000" b="1" dirty="0" smtClean="0"/>
+              <a:t>3. </a:t>
+            </a:r>
+            <a:r>
+              <a:rPr lang="ko-KR" altLang="en-US" sz="2000" b="1" dirty="0" smtClean="0"/>
+              <a:t>데이터 확인</a:t>
+            </a:r>
+            <a:endParaRPr lang="ko-KR" altLang="en-US" sz="2000" b="1" dirty="0"/>
           </a:p>
         </p:txBody>
       </p:sp>
       <p:pic>
         <p:nvPicPr>
-          <p:cNvPr id="12" name="그림 11"/>
+          <p:cNvPr id="2" name="그림 1"/>
           <p:cNvPicPr>
             <a:picLocks noChangeAspect="1"/>
           </p:cNvPicPr>
@@ -5098,48 +5142,14 @@
         </p:blipFill>
         <p:spPr>
           <a:xfrm>
-            <a:off x="3739335" y="1569946"/>
-            <a:ext cx="4713331" cy="5113596"/>
+            <a:off x="3837459" y="1887929"/>
+            <a:ext cx="4517082" cy="4737812"/>
           </a:xfrm>
           <a:prstGeom prst="rect">
             <a:avLst/>
           </a:prstGeom>
         </p:spPr>
       </p:pic>
-      <p:sp>
-        <p:nvSpPr>
-          <p:cNvPr id="13" name="TextBox 12"/>
-          <p:cNvSpPr txBox="1"/>
-          <p:nvPr/>
-        </p:nvSpPr>
-        <p:spPr>
-          <a:xfrm>
-            <a:off x="309716" y="263405"/>
-            <a:ext cx="8229600" cy="400110"/>
-          </a:xfrm>
-          <a:prstGeom prst="rect">
-            <a:avLst/>
-          </a:prstGeom>
-          <a:noFill/>
-        </p:spPr>
-        <p:txBody>
-          <a:bodyPr wrap="square" rtlCol="0">
-            <a:spAutoFit/>
-          </a:bodyPr>
-          <a:lstStyle/>
-          <a:p>
-            <a:r>
-              <a:rPr lang="en-US" altLang="ko-KR" sz="2000" b="1" dirty="0" smtClean="0"/>
-              <a:t>3. </a:t>
-            </a:r>
-            <a:r>
-              <a:rPr lang="ko-KR" altLang="en-US" sz="2000" b="1" dirty="0" smtClean="0"/>
-              <a:t>데이터 확인</a:t>
-            </a:r>
-            <a:endParaRPr lang="ko-KR" altLang="en-US" sz="2000" b="1" dirty="0"/>
-          </a:p>
-        </p:txBody>
-      </p:sp>
     </p:spTree>
     <p:extLst>
       <p:ext uri="{BB962C8B-B14F-4D97-AF65-F5344CB8AC3E}">
